--- a/FinalProject/Image/image.pptx
+++ b/FinalProject/Image/image.pptx
@@ -104,6 +104,11 @@
       </a:defRPr>
     </a:lvl9pPr>
   </p:defaultTextStyle>
+  <p:extLst>
+    <p:ext uri="{EFAFB233-063F-42B5-8137-9DF3F51BA10A}">
+      <p15:sldGuideLst xmlns:p15="http://schemas.microsoft.com/office/powerpoint/2012/main"/>
+    </p:ext>
+  </p:extLst>
 </p:presentation>
 </file>
 
@@ -280,7 +285,7 @@
           <a:p>
             <a:fld id="{CCFCC741-64DC-4DDB-A1BB-54EA40CC502E}" type="datetimeFigureOut">
               <a:rPr lang="ko-KR" altLang="en-US" smtClean="0"/>
-              <a:t>2021-06-07</a:t>
+              <a:t>2021-06-13</a:t>
             </a:fld>
             <a:endParaRPr lang="ko-KR" altLang="en-US"/>
           </a:p>
@@ -478,7 +483,7 @@
           <a:p>
             <a:fld id="{CCFCC741-64DC-4DDB-A1BB-54EA40CC502E}" type="datetimeFigureOut">
               <a:rPr lang="ko-KR" altLang="en-US" smtClean="0"/>
-              <a:t>2021-06-07</a:t>
+              <a:t>2021-06-13</a:t>
             </a:fld>
             <a:endParaRPr lang="ko-KR" altLang="en-US"/>
           </a:p>
@@ -686,7 +691,7 @@
           <a:p>
             <a:fld id="{CCFCC741-64DC-4DDB-A1BB-54EA40CC502E}" type="datetimeFigureOut">
               <a:rPr lang="ko-KR" altLang="en-US" smtClean="0"/>
-              <a:t>2021-06-07</a:t>
+              <a:t>2021-06-13</a:t>
             </a:fld>
             <a:endParaRPr lang="ko-KR" altLang="en-US"/>
           </a:p>
@@ -884,7 +889,7 @@
           <a:p>
             <a:fld id="{CCFCC741-64DC-4DDB-A1BB-54EA40CC502E}" type="datetimeFigureOut">
               <a:rPr lang="ko-KR" altLang="en-US" smtClean="0"/>
-              <a:t>2021-06-07</a:t>
+              <a:t>2021-06-13</a:t>
             </a:fld>
             <a:endParaRPr lang="ko-KR" altLang="en-US"/>
           </a:p>
@@ -1159,7 +1164,7 @@
           <a:p>
             <a:fld id="{CCFCC741-64DC-4DDB-A1BB-54EA40CC502E}" type="datetimeFigureOut">
               <a:rPr lang="ko-KR" altLang="en-US" smtClean="0"/>
-              <a:t>2021-06-07</a:t>
+              <a:t>2021-06-13</a:t>
             </a:fld>
             <a:endParaRPr lang="ko-KR" altLang="en-US"/>
           </a:p>
@@ -1424,7 +1429,7 @@
           <a:p>
             <a:fld id="{CCFCC741-64DC-4DDB-A1BB-54EA40CC502E}" type="datetimeFigureOut">
               <a:rPr lang="ko-KR" altLang="en-US" smtClean="0"/>
-              <a:t>2021-06-07</a:t>
+              <a:t>2021-06-13</a:t>
             </a:fld>
             <a:endParaRPr lang="ko-KR" altLang="en-US"/>
           </a:p>
@@ -1836,7 +1841,7 @@
           <a:p>
             <a:fld id="{CCFCC741-64DC-4DDB-A1BB-54EA40CC502E}" type="datetimeFigureOut">
               <a:rPr lang="ko-KR" altLang="en-US" smtClean="0"/>
-              <a:t>2021-06-07</a:t>
+              <a:t>2021-06-13</a:t>
             </a:fld>
             <a:endParaRPr lang="ko-KR" altLang="en-US"/>
           </a:p>
@@ -1977,7 +1982,7 @@
           <a:p>
             <a:fld id="{CCFCC741-64DC-4DDB-A1BB-54EA40CC502E}" type="datetimeFigureOut">
               <a:rPr lang="ko-KR" altLang="en-US" smtClean="0"/>
-              <a:t>2021-06-07</a:t>
+              <a:t>2021-06-13</a:t>
             </a:fld>
             <a:endParaRPr lang="ko-KR" altLang="en-US"/>
           </a:p>
@@ -2090,7 +2095,7 @@
           <a:p>
             <a:fld id="{CCFCC741-64DC-4DDB-A1BB-54EA40CC502E}" type="datetimeFigureOut">
               <a:rPr lang="ko-KR" altLang="en-US" smtClean="0"/>
-              <a:t>2021-06-07</a:t>
+              <a:t>2021-06-13</a:t>
             </a:fld>
             <a:endParaRPr lang="ko-KR" altLang="en-US"/>
           </a:p>
@@ -2401,7 +2406,7 @@
           <a:p>
             <a:fld id="{CCFCC741-64DC-4DDB-A1BB-54EA40CC502E}" type="datetimeFigureOut">
               <a:rPr lang="ko-KR" altLang="en-US" smtClean="0"/>
-              <a:t>2021-06-07</a:t>
+              <a:t>2021-06-13</a:t>
             </a:fld>
             <a:endParaRPr lang="ko-KR" altLang="en-US"/>
           </a:p>
@@ -2689,7 +2694,7 @@
           <a:p>
             <a:fld id="{CCFCC741-64DC-4DDB-A1BB-54EA40CC502E}" type="datetimeFigureOut">
               <a:rPr lang="ko-KR" altLang="en-US" smtClean="0"/>
-              <a:t>2021-06-07</a:t>
+              <a:t>2021-06-13</a:t>
             </a:fld>
             <a:endParaRPr lang="ko-KR" altLang="en-US"/>
           </a:p>
@@ -2930,7 +2935,7 @@
           <a:p>
             <a:fld id="{CCFCC741-64DC-4DDB-A1BB-54EA40CC502E}" type="datetimeFigureOut">
               <a:rPr lang="ko-KR" altLang="en-US" smtClean="0"/>
-              <a:t>2021-06-07</a:t>
+              <a:t>2021-06-13</a:t>
             </a:fld>
             <a:endParaRPr lang="ko-KR" altLang="en-US"/>
           </a:p>
@@ -3491,6 +3496,168 @@
           </a:p>
         </p:txBody>
       </p:sp>
+      <p:grpSp>
+        <p:nvGrpSpPr>
+          <p:cNvPr id="5" name="그룹 4">
+            <a:extLst>
+              <a:ext uri="{FF2B5EF4-FFF2-40B4-BE49-F238E27FC236}">
+                <a16:creationId xmlns:a16="http://schemas.microsoft.com/office/drawing/2014/main" id="{9C80158B-9268-4537-8852-75C6C5B68314}"/>
+              </a:ext>
+            </a:extLst>
+          </p:cNvPr>
+          <p:cNvGrpSpPr/>
+          <p:nvPr/>
+        </p:nvGrpSpPr>
+        <p:grpSpPr>
+          <a:xfrm>
+            <a:off x="8283047" y="1950720"/>
+            <a:ext cx="297073" cy="665480"/>
+            <a:chOff x="8283047" y="1615440"/>
+            <a:chExt cx="297073" cy="1000760"/>
+          </a:xfrm>
+        </p:grpSpPr>
+        <p:sp>
+          <p:nvSpPr>
+            <p:cNvPr id="2" name="직사각형 1">
+              <a:extLst>
+                <a:ext uri="{FF2B5EF4-FFF2-40B4-BE49-F238E27FC236}">
+                  <a16:creationId xmlns:a16="http://schemas.microsoft.com/office/drawing/2014/main" id="{FD60B095-CF61-43F0-B5D8-A281B77BF14F}"/>
+                </a:ext>
+              </a:extLst>
+            </p:cNvPr>
+            <p:cNvSpPr/>
+            <p:nvPr/>
+          </p:nvSpPr>
+          <p:spPr>
+            <a:xfrm>
+              <a:off x="8283047" y="2336800"/>
+              <a:ext cx="297073" cy="139700"/>
+            </a:xfrm>
+            <a:prstGeom prst="rect">
+              <a:avLst/>
+            </a:prstGeom>
+            <a:ln>
+              <a:noFill/>
+            </a:ln>
+          </p:spPr>
+          <p:style>
+            <a:lnRef idx="1">
+              <a:schemeClr val="accent3"/>
+            </a:lnRef>
+            <a:fillRef idx="2">
+              <a:schemeClr val="accent3"/>
+            </a:fillRef>
+            <a:effectRef idx="1">
+              <a:schemeClr val="accent3"/>
+            </a:effectRef>
+            <a:fontRef idx="minor">
+              <a:schemeClr val="dk1"/>
+            </a:fontRef>
+          </p:style>
+          <p:txBody>
+            <a:bodyPr rtlCol="0" anchor="ctr"/>
+            <a:lstStyle/>
+            <a:p>
+              <a:pPr algn="ctr"/>
+              <a:endParaRPr lang="ko-KR" altLang="en-US" dirty="0"/>
+            </a:p>
+          </p:txBody>
+        </p:sp>
+        <p:sp>
+          <p:nvSpPr>
+            <p:cNvPr id="3" name="직사각형 2">
+              <a:extLst>
+                <a:ext uri="{FF2B5EF4-FFF2-40B4-BE49-F238E27FC236}">
+                  <a16:creationId xmlns:a16="http://schemas.microsoft.com/office/drawing/2014/main" id="{584855F5-CCF5-4706-94CD-BAB8BF7F9181}"/>
+                </a:ext>
+              </a:extLst>
+            </p:cNvPr>
+            <p:cNvSpPr/>
+            <p:nvPr/>
+          </p:nvSpPr>
+          <p:spPr>
+            <a:xfrm>
+              <a:off x="8359140" y="2476500"/>
+              <a:ext cx="144780" cy="139700"/>
+            </a:xfrm>
+            <a:prstGeom prst="rect">
+              <a:avLst/>
+            </a:prstGeom>
+            <a:ln>
+              <a:noFill/>
+            </a:ln>
+          </p:spPr>
+          <p:style>
+            <a:lnRef idx="1">
+              <a:schemeClr val="dk1"/>
+            </a:lnRef>
+            <a:fillRef idx="2">
+              <a:schemeClr val="dk1"/>
+            </a:fillRef>
+            <a:effectRef idx="1">
+              <a:schemeClr val="dk1"/>
+            </a:effectRef>
+            <a:fontRef idx="minor">
+              <a:schemeClr val="dk1"/>
+            </a:fontRef>
+          </p:style>
+          <p:txBody>
+            <a:bodyPr rtlCol="0" anchor="ctr"/>
+            <a:lstStyle/>
+            <a:p>
+              <a:pPr algn="ctr"/>
+              <a:endParaRPr lang="ko-KR" altLang="en-US" dirty="0"/>
+            </a:p>
+          </p:txBody>
+        </p:sp>
+        <p:sp>
+          <p:nvSpPr>
+            <p:cNvPr id="4" name="이등변 삼각형 3">
+              <a:extLst>
+                <a:ext uri="{FF2B5EF4-FFF2-40B4-BE49-F238E27FC236}">
+                  <a16:creationId xmlns:a16="http://schemas.microsoft.com/office/drawing/2014/main" id="{9297E917-B3B2-4249-B19F-F2D7A2B1C0AE}"/>
+                </a:ext>
+              </a:extLst>
+            </p:cNvPr>
+            <p:cNvSpPr/>
+            <p:nvPr/>
+          </p:nvSpPr>
+          <p:spPr>
+            <a:xfrm>
+              <a:off x="8321093" y="1615440"/>
+              <a:ext cx="220873" cy="721360"/>
+            </a:xfrm>
+            <a:prstGeom prst="triangle">
+              <a:avLst/>
+            </a:prstGeom>
+            <a:ln>
+              <a:noFill/>
+            </a:ln>
+          </p:spPr>
+          <p:style>
+            <a:lnRef idx="1">
+              <a:schemeClr val="dk1"/>
+            </a:lnRef>
+            <a:fillRef idx="2">
+              <a:schemeClr val="dk1"/>
+            </a:fillRef>
+            <a:effectRef idx="1">
+              <a:schemeClr val="dk1"/>
+            </a:effectRef>
+            <a:fontRef idx="minor">
+              <a:schemeClr val="dk1"/>
+            </a:fontRef>
+          </p:style>
+          <p:txBody>
+            <a:bodyPr rtlCol="0" anchor="ctr"/>
+            <a:lstStyle/>
+            <a:p>
+              <a:pPr algn="ctr"/>
+              <a:endParaRPr lang="ko-KR" altLang="en-US" dirty="0"/>
+            </a:p>
+          </p:txBody>
+        </p:sp>
+      </p:grpSp>
     </p:spTree>
     <p:extLst>
       <p:ext uri="{BB962C8B-B14F-4D97-AF65-F5344CB8AC3E}">

--- a/FinalProject/Image/image.pptx
+++ b/FinalProject/Image/image.pptx
@@ -3338,6 +3338,14 @@
 <file path=ppt/slides/slide1.xml><?xml version="1.0" encoding="utf-8"?>
 <p:sld xmlns:a="http://schemas.openxmlformats.org/drawingml/2006/main" xmlns:r="http://schemas.openxmlformats.org/officeDocument/2006/relationships" xmlns:p="http://schemas.openxmlformats.org/presentationml/2006/main">
   <p:cSld>
+    <p:bg>
+      <p:bgPr>
+        <a:solidFill>
+          <a:schemeClr val="bg2"/>
+        </a:solidFill>
+        <a:effectLst/>
+      </p:bgPr>
+    </p:bg>
     <p:spTree>
       <p:nvGrpSpPr>
         <p:cNvPr id="1" name=""/>
@@ -3464,6 +3472,7 @@
           <a:prstGeom prst="ellipse">
             <a:avLst/>
           </a:prstGeom>
+          <a:noFill/>
           <a:ln>
             <a:solidFill>
               <a:schemeClr val="accent4">

--- a/FinalProject/Image/image.pptx
+++ b/FinalProject/Image/image.pptx
@@ -285,7 +285,7 @@
           <a:p>
             <a:fld id="{CCFCC741-64DC-4DDB-A1BB-54EA40CC502E}" type="datetimeFigureOut">
               <a:rPr lang="ko-KR" altLang="en-US" smtClean="0"/>
-              <a:t>2021-06-13</a:t>
+              <a:t>2021-06-20</a:t>
             </a:fld>
             <a:endParaRPr lang="ko-KR" altLang="en-US"/>
           </a:p>
@@ -483,7 +483,7 @@
           <a:p>
             <a:fld id="{CCFCC741-64DC-4DDB-A1BB-54EA40CC502E}" type="datetimeFigureOut">
               <a:rPr lang="ko-KR" altLang="en-US" smtClean="0"/>
-              <a:t>2021-06-13</a:t>
+              <a:t>2021-06-20</a:t>
             </a:fld>
             <a:endParaRPr lang="ko-KR" altLang="en-US"/>
           </a:p>
@@ -691,7 +691,7 @@
           <a:p>
             <a:fld id="{CCFCC741-64DC-4DDB-A1BB-54EA40CC502E}" type="datetimeFigureOut">
               <a:rPr lang="ko-KR" altLang="en-US" smtClean="0"/>
-              <a:t>2021-06-13</a:t>
+              <a:t>2021-06-20</a:t>
             </a:fld>
             <a:endParaRPr lang="ko-KR" altLang="en-US"/>
           </a:p>
@@ -889,7 +889,7 @@
           <a:p>
             <a:fld id="{CCFCC741-64DC-4DDB-A1BB-54EA40CC502E}" type="datetimeFigureOut">
               <a:rPr lang="ko-KR" altLang="en-US" smtClean="0"/>
-              <a:t>2021-06-13</a:t>
+              <a:t>2021-06-20</a:t>
             </a:fld>
             <a:endParaRPr lang="ko-KR" altLang="en-US"/>
           </a:p>
@@ -1164,7 +1164,7 @@
           <a:p>
             <a:fld id="{CCFCC741-64DC-4DDB-A1BB-54EA40CC502E}" type="datetimeFigureOut">
               <a:rPr lang="ko-KR" altLang="en-US" smtClean="0"/>
-              <a:t>2021-06-13</a:t>
+              <a:t>2021-06-20</a:t>
             </a:fld>
             <a:endParaRPr lang="ko-KR" altLang="en-US"/>
           </a:p>
@@ -1429,7 +1429,7 @@
           <a:p>
             <a:fld id="{CCFCC741-64DC-4DDB-A1BB-54EA40CC502E}" type="datetimeFigureOut">
               <a:rPr lang="ko-KR" altLang="en-US" smtClean="0"/>
-              <a:t>2021-06-13</a:t>
+              <a:t>2021-06-20</a:t>
             </a:fld>
             <a:endParaRPr lang="ko-KR" altLang="en-US"/>
           </a:p>
@@ -1841,7 +1841,7 @@
           <a:p>
             <a:fld id="{CCFCC741-64DC-4DDB-A1BB-54EA40CC502E}" type="datetimeFigureOut">
               <a:rPr lang="ko-KR" altLang="en-US" smtClean="0"/>
-              <a:t>2021-06-13</a:t>
+              <a:t>2021-06-20</a:t>
             </a:fld>
             <a:endParaRPr lang="ko-KR" altLang="en-US"/>
           </a:p>
@@ -1982,7 +1982,7 @@
           <a:p>
             <a:fld id="{CCFCC741-64DC-4DDB-A1BB-54EA40CC502E}" type="datetimeFigureOut">
               <a:rPr lang="ko-KR" altLang="en-US" smtClean="0"/>
-              <a:t>2021-06-13</a:t>
+              <a:t>2021-06-20</a:t>
             </a:fld>
             <a:endParaRPr lang="ko-KR" altLang="en-US"/>
           </a:p>
@@ -2095,7 +2095,7 @@
           <a:p>
             <a:fld id="{CCFCC741-64DC-4DDB-A1BB-54EA40CC502E}" type="datetimeFigureOut">
               <a:rPr lang="ko-KR" altLang="en-US" smtClean="0"/>
-              <a:t>2021-06-13</a:t>
+              <a:t>2021-06-20</a:t>
             </a:fld>
             <a:endParaRPr lang="ko-KR" altLang="en-US"/>
           </a:p>
@@ -2406,7 +2406,7 @@
           <a:p>
             <a:fld id="{CCFCC741-64DC-4DDB-A1BB-54EA40CC502E}" type="datetimeFigureOut">
               <a:rPr lang="ko-KR" altLang="en-US" smtClean="0"/>
-              <a:t>2021-06-13</a:t>
+              <a:t>2021-06-20</a:t>
             </a:fld>
             <a:endParaRPr lang="ko-KR" altLang="en-US"/>
           </a:p>
@@ -2694,7 +2694,7 @@
           <a:p>
             <a:fld id="{CCFCC741-64DC-4DDB-A1BB-54EA40CC502E}" type="datetimeFigureOut">
               <a:rPr lang="ko-KR" altLang="en-US" smtClean="0"/>
-              <a:t>2021-06-13</a:t>
+              <a:t>2021-06-20</a:t>
             </a:fld>
             <a:endParaRPr lang="ko-KR" altLang="en-US"/>
           </a:p>
@@ -2935,7 +2935,7 @@
           <a:p>
             <a:fld id="{CCFCC741-64DC-4DDB-A1BB-54EA40CC502E}" type="datetimeFigureOut">
               <a:rPr lang="ko-KR" altLang="en-US" smtClean="0"/>
-              <a:t>2021-06-13</a:t>
+              <a:t>2021-06-20</a:t>
             </a:fld>
             <a:endParaRPr lang="ko-KR" altLang="en-US"/>
           </a:p>
@@ -3422,7 +3422,7 @@
         </p:nvSpPr>
         <p:spPr>
           <a:xfrm>
-            <a:off x="3479801" y="3208868"/>
+            <a:off x="3463132" y="3168386"/>
             <a:ext cx="149224" cy="198701"/>
           </a:xfrm>
           <a:prstGeom prst="ellipse">
@@ -3667,6 +3667,53 @@
           </p:txBody>
         </p:sp>
       </p:grpSp>
+      <p:sp>
+        <p:nvSpPr>
+          <p:cNvPr id="10" name="타원 9">
+            <a:extLst>
+              <a:ext uri="{FF2B5EF4-FFF2-40B4-BE49-F238E27FC236}">
+                <a16:creationId xmlns:a16="http://schemas.microsoft.com/office/drawing/2014/main" id="{F3BC6B45-978D-41A7-AD1E-554A8072231B}"/>
+              </a:ext>
+            </a:extLst>
+          </p:cNvPr>
+          <p:cNvSpPr/>
+          <p:nvPr/>
+        </p:nvSpPr>
+        <p:spPr>
+          <a:xfrm>
+            <a:off x="3836989" y="3213629"/>
+            <a:ext cx="149224" cy="198701"/>
+          </a:xfrm>
+          <a:prstGeom prst="ellipse">
+            <a:avLst/>
+          </a:prstGeom>
+          <a:solidFill>
+            <a:srgbClr val="FF0000"/>
+          </a:solidFill>
+        </p:spPr>
+        <p:style>
+          <a:lnRef idx="3">
+            <a:schemeClr val="lt1"/>
+          </a:lnRef>
+          <a:fillRef idx="1">
+            <a:schemeClr val="accent4"/>
+          </a:fillRef>
+          <a:effectRef idx="1">
+            <a:schemeClr val="accent4"/>
+          </a:effectRef>
+          <a:fontRef idx="minor">
+            <a:schemeClr val="lt1"/>
+          </a:fontRef>
+        </p:style>
+        <p:txBody>
+          <a:bodyPr rtlCol="0" anchor="ctr"/>
+          <a:lstStyle/>
+          <a:p>
+            <a:pPr algn="ctr"/>
+            <a:endParaRPr lang="ko-KR" altLang="en-US" dirty="0"/>
+          </a:p>
+        </p:txBody>
+      </p:sp>
     </p:spTree>
     <p:extLst>
       <p:ext uri="{BB962C8B-B14F-4D97-AF65-F5344CB8AC3E}">
